--- a/lectures/05-09-wed/pair_rep.pptx
+++ b/lectures/05-09-wed/pair_rep.pptx
@@ -5074,16 +5074,64 @@
             </a:r>
           </a:p>
           <a:p>
-            <a:endParaRPr lang="en-US" sz="800" dirty="0">
-              <a:latin typeface="Consolas" panose="020B0609020204030204" pitchFamily="49" charset="0"/>
-              <a:cs typeface="Consolas" panose="020B0609020204030204" pitchFamily="49" charset="0"/>
-            </a:endParaRPr>
-          </a:p>
-          <a:p>
-            <a:endParaRPr lang="en-US" sz="800" dirty="0">
-              <a:latin typeface="Consolas" panose="020B0609020204030204" pitchFamily="49" charset="0"/>
-              <a:cs typeface="Consolas" panose="020B0609020204030204" pitchFamily="49" charset="0"/>
-            </a:endParaRPr>
+            <a:r>
+              <a:rPr lang="en-US" sz="800" dirty="0">
+                <a:latin typeface="Consolas" panose="020B0609020204030204" pitchFamily="49" charset="0"/>
+                <a:cs typeface="Consolas" panose="020B0609020204030204" pitchFamily="49" charset="0"/>
+              </a:rPr>
+              <a:t>    </a:t>
+            </a:r>
+            <a:r>
+              <a:rPr lang="en-US" sz="800" dirty="0" err="1">
+                <a:latin typeface="Consolas" panose="020B0609020204030204" pitchFamily="49" charset="0"/>
+                <a:cs typeface="Consolas" panose="020B0609020204030204" pitchFamily="49" charset="0"/>
+              </a:rPr>
+              <a:t>printf</a:t>
+            </a:r>
+            <a:r>
+              <a:rPr lang="en-US" sz="800" dirty="0">
+                <a:latin typeface="Consolas" panose="020B0609020204030204" pitchFamily="49" charset="0"/>
+                <a:cs typeface="Consolas" panose="020B0609020204030204" pitchFamily="49" charset="0"/>
+              </a:rPr>
+              <a:t>("(");</a:t>
+            </a:r>
+          </a:p>
+          <a:p>
+            <a:r>
+              <a:rPr lang="en-US" sz="800" dirty="0">
+                <a:latin typeface="Consolas" panose="020B0609020204030204" pitchFamily="49" charset="0"/>
+                <a:cs typeface="Consolas" panose="020B0609020204030204" pitchFamily="49" charset="0"/>
+              </a:rPr>
+              <a:t>    </a:t>
+            </a:r>
+            <a:r>
+              <a:rPr lang="en-US" sz="800" dirty="0" err="1">
+                <a:latin typeface="Consolas" panose="020B0609020204030204" pitchFamily="49" charset="0"/>
+                <a:cs typeface="Consolas" panose="020B0609020204030204" pitchFamily="49" charset="0"/>
+              </a:rPr>
+              <a:t>print_val</a:t>
+            </a:r>
+            <a:r>
+              <a:rPr lang="en-US" sz="800" dirty="0">
+                <a:latin typeface="Consolas" panose="020B0609020204030204" pitchFamily="49" charset="0"/>
+                <a:cs typeface="Consolas" panose="020B0609020204030204" pitchFamily="49" charset="0"/>
+              </a:rPr>
+              <a:t>(</a:t>
+            </a:r>
+            <a:r>
+              <a:rPr lang="en-US" sz="800" dirty="0" err="1">
+                <a:latin typeface="Consolas" panose="020B0609020204030204" pitchFamily="49" charset="0"/>
+                <a:cs typeface="Consolas" panose="020B0609020204030204" pitchFamily="49" charset="0"/>
+              </a:rPr>
+              <a:t>val.as_ptr</a:t>
+            </a:r>
+            <a:r>
+              <a:rPr lang="en-US" sz="800" dirty="0">
+                <a:latin typeface="Consolas" panose="020B0609020204030204" pitchFamily="49" charset="0"/>
+                <a:cs typeface="Consolas" panose="020B0609020204030204" pitchFamily="49" charset="0"/>
+              </a:rPr>
+              <a:t>[0]);</a:t>
+            </a:r>
           </a:p>
           <a:p>
             <a:endParaRPr lang="en-US" sz="800" dirty="0">
@@ -5371,22 +5419,129 @@
             </a:r>
           </a:p>
           <a:p>
-            <a:endParaRPr lang="en-US" sz="800" dirty="0">
-              <a:latin typeface="Consolas" panose="020B0609020204030204" pitchFamily="49" charset="0"/>
-              <a:cs typeface="Consolas" panose="020B0609020204030204" pitchFamily="49" charset="0"/>
-            </a:endParaRPr>
-          </a:p>
-          <a:p>
-            <a:endParaRPr lang="en-US" sz="800" dirty="0">
-              <a:latin typeface="Consolas" panose="020B0609020204030204" pitchFamily="49" charset="0"/>
-              <a:cs typeface="Consolas" panose="020B0609020204030204" pitchFamily="49" charset="0"/>
-            </a:endParaRPr>
-          </a:p>
-          <a:p>
-            <a:endParaRPr lang="en-US" sz="800" dirty="0">
-              <a:latin typeface="Consolas" panose="020B0609020204030204" pitchFamily="49" charset="0"/>
-              <a:cs typeface="Consolas" panose="020B0609020204030204" pitchFamily="49" charset="0"/>
-            </a:endParaRPr>
+            <a:r>
+              <a:rPr lang="en-US" sz="800" dirty="0">
+                <a:latin typeface="Consolas" panose="020B0609020204030204" pitchFamily="49" charset="0"/>
+                <a:cs typeface="Consolas" panose="020B0609020204030204" pitchFamily="49" charset="0"/>
+              </a:rPr>
+              <a:t>    </a:t>
+            </a:r>
+            <a:r>
+              <a:rPr lang="en-US" sz="800" dirty="0" err="1">
+                <a:latin typeface="Consolas" panose="020B0609020204030204" pitchFamily="49" charset="0"/>
+                <a:cs typeface="Consolas" panose="020B0609020204030204" pitchFamily="49" charset="0"/>
+              </a:rPr>
+              <a:t>int</a:t>
+            </a:r>
+            <a:r>
+              <a:rPr lang="en-US" sz="800" dirty="0">
+                <a:latin typeface="Consolas" panose="020B0609020204030204" pitchFamily="49" charset="0"/>
+                <a:cs typeface="Consolas" panose="020B0609020204030204" pitchFamily="49" charset="0"/>
+              </a:rPr>
+              <a:t>* </a:t>
+            </a:r>
+            <a:r>
+              <a:rPr lang="en-US" sz="800" dirty="0" err="1">
+                <a:latin typeface="Consolas" panose="020B0609020204030204" pitchFamily="49" charset="0"/>
+                <a:cs typeface="Consolas" panose="020B0609020204030204" pitchFamily="49" charset="0"/>
+              </a:rPr>
+              <a:t>vptr</a:t>
+            </a:r>
+            <a:r>
+              <a:rPr lang="en-US" sz="800" dirty="0">
+                <a:latin typeface="Consolas" panose="020B0609020204030204" pitchFamily="49" charset="0"/>
+                <a:cs typeface="Consolas" panose="020B0609020204030204" pitchFamily="49" charset="0"/>
+              </a:rPr>
+              <a:t> = (</a:t>
+            </a:r>
+            <a:r>
+              <a:rPr lang="en-US" sz="800" dirty="0" err="1">
+                <a:latin typeface="Consolas" panose="020B0609020204030204" pitchFamily="49" charset="0"/>
+                <a:cs typeface="Consolas" panose="020B0609020204030204" pitchFamily="49" charset="0"/>
+              </a:rPr>
+              <a:t>int</a:t>
+            </a:r>
+            <a:r>
+              <a:rPr lang="en-US" sz="800" dirty="0">
+                <a:latin typeface="Consolas" panose="020B0609020204030204" pitchFamily="49" charset="0"/>
+                <a:cs typeface="Consolas" panose="020B0609020204030204" pitchFamily="49" charset="0"/>
+              </a:rPr>
+              <a:t>*)</a:t>
+            </a:r>
+            <a:r>
+              <a:rPr lang="en-US" sz="800" dirty="0" err="1">
+                <a:latin typeface="Consolas" panose="020B0609020204030204" pitchFamily="49" charset="0"/>
+                <a:cs typeface="Consolas" panose="020B0609020204030204" pitchFamily="49" charset="0"/>
+              </a:rPr>
+              <a:t>val</a:t>
+            </a:r>
+            <a:r>
+              <a:rPr lang="en-US" sz="800" dirty="0">
+                <a:latin typeface="Consolas" panose="020B0609020204030204" pitchFamily="49" charset="0"/>
+                <a:cs typeface="Consolas" panose="020B0609020204030204" pitchFamily="49" charset="0"/>
+              </a:rPr>
+              <a:t>;</a:t>
+            </a:r>
+          </a:p>
+          <a:p>
+            <a:r>
+              <a:rPr lang="en-US" sz="800" dirty="0">
+                <a:latin typeface="Consolas" panose="020B0609020204030204" pitchFamily="49" charset="0"/>
+                <a:cs typeface="Consolas" panose="020B0609020204030204" pitchFamily="49" charset="0"/>
+              </a:rPr>
+              <a:t>    </a:t>
+            </a:r>
+            <a:r>
+              <a:rPr lang="en-US" sz="800" dirty="0" err="1">
+                <a:latin typeface="Consolas" panose="020B0609020204030204" pitchFamily="49" charset="0"/>
+                <a:cs typeface="Consolas" panose="020B0609020204030204" pitchFamily="49" charset="0"/>
+              </a:rPr>
+              <a:t>printf</a:t>
+            </a:r>
+            <a:r>
+              <a:rPr lang="en-US" sz="800" dirty="0">
+                <a:latin typeface="Consolas" panose="020B0609020204030204" pitchFamily="49" charset="0"/>
+                <a:cs typeface="Consolas" panose="020B0609020204030204" pitchFamily="49" charset="0"/>
+              </a:rPr>
+              <a:t>("(");</a:t>
+            </a:r>
+          </a:p>
+          <a:p>
+            <a:r>
+              <a:rPr lang="en-US" sz="800" dirty="0">
+                <a:latin typeface="Consolas" panose="020B0609020204030204" pitchFamily="49" charset="0"/>
+                <a:cs typeface="Consolas" panose="020B0609020204030204" pitchFamily="49" charset="0"/>
+              </a:rPr>
+              <a:t>    </a:t>
+            </a:r>
+            <a:r>
+              <a:rPr lang="en-US" sz="800" dirty="0" err="1">
+                <a:latin typeface="Consolas" panose="020B0609020204030204" pitchFamily="49" charset="0"/>
+                <a:cs typeface="Consolas" panose="020B0609020204030204" pitchFamily="49" charset="0"/>
+              </a:rPr>
+              <a:t>print_val</a:t>
+            </a:r>
+            <a:r>
+              <a:rPr lang="en-US" sz="800" dirty="0">
+                <a:latin typeface="Consolas" panose="020B0609020204030204" pitchFamily="49" charset="0"/>
+                <a:cs typeface="Consolas" panose="020B0609020204030204" pitchFamily="49" charset="0"/>
+              </a:rPr>
+              <a:t>(</a:t>
+            </a:r>
+            <a:r>
+              <a:rPr lang="en-US" sz="800" dirty="0" err="1">
+                <a:latin typeface="Consolas" panose="020B0609020204030204" pitchFamily="49" charset="0"/>
+                <a:cs typeface="Consolas" panose="020B0609020204030204" pitchFamily="49" charset="0"/>
+              </a:rPr>
+              <a:t>vptr</a:t>
+            </a:r>
+            <a:r>
+              <a:rPr lang="en-US" sz="800" dirty="0">
+                <a:latin typeface="Consolas" panose="020B0609020204030204" pitchFamily="49" charset="0"/>
+                <a:cs typeface="Consolas" panose="020B0609020204030204" pitchFamily="49" charset="0"/>
+              </a:rPr>
+              <a:t>[0]);</a:t>
+            </a:r>
           </a:p>
           <a:p>
             <a:endParaRPr lang="en-US" sz="800" dirty="0">
